--- a/docpac_23170223/Weekly Review.pptx
+++ b/docpac_23170223/Weekly Review.pptx
@@ -11,10 +11,8 @@
     <p:sldId id="264" r:id="rId5"/>
     <p:sldId id="276" r:id="rId6"/>
     <p:sldId id="272" r:id="rId7"/>
-    <p:sldId id="273" r:id="rId8"/>
-    <p:sldId id="274" r:id="rId9"/>
-    <p:sldId id="265" r:id="rId10"/>
-    <p:sldId id="275" r:id="rId11"/>
+    <p:sldId id="265" r:id="rId8"/>
+    <p:sldId id="275" r:id="rId9"/>
   </p:sldIdLst>
   <p:sldSz cx="12192000" cy="6858000"/>
   <p:notesSz cx="6858000" cy="9144000"/>
@@ -3664,112 +3662,6 @@
 </p:sld>
 </file>
 
-<file path=ppt/slides/slide10.xml><?xml version="1.0" encoding="utf-8"?>
-<p:sld xmlns:a="http://schemas.openxmlformats.org/drawingml/2006/main" xmlns:r="http://schemas.openxmlformats.org/officeDocument/2006/relationships" xmlns:p="http://schemas.openxmlformats.org/presentationml/2006/main">
-  <p:cSld>
-    <p:spTree>
-      <p:nvGrpSpPr>
-        <p:cNvPr id="1" name=""/>
-        <p:cNvGrpSpPr/>
-        <p:nvPr/>
-      </p:nvGrpSpPr>
-      <p:grpSpPr>
-        <a:xfrm>
-          <a:off x="0" y="0"/>
-          <a:ext cx="0" cy="0"/>
-          <a:chOff x="0" y="0"/>
-          <a:chExt cx="0" cy="0"/>
-        </a:xfrm>
-      </p:grpSpPr>
-      <p:sp>
-        <p:nvSpPr>
-          <p:cNvPr id="2" name="Title 1">
-            <a:extLst>
-              <a:ext uri="{FF2B5EF4-FFF2-40B4-BE49-F238E27FC236}">
-                <a16:creationId xmlns:a16="http://schemas.microsoft.com/office/drawing/2014/main" id="{B1CDBE70-A058-4794-B4F7-F8FC28156A81}"/>
-              </a:ext>
-            </a:extLst>
-          </p:cNvPr>
-          <p:cNvSpPr>
-            <a:spLocks noGrp="1"/>
-          </p:cNvSpPr>
-          <p:nvPr>
-            <p:ph type="title"/>
-          </p:nvPr>
-        </p:nvSpPr>
-        <p:spPr/>
-        <p:txBody>
-          <a:bodyPr/>
-          <a:lstStyle/>
-          <a:p>
-            <a:pPr algn="ctr"/>
-            <a:r>
-              <a:rPr lang="en-US" dirty="0"/>
-              <a:t>Continuous Improvement</a:t>
-            </a:r>
-          </a:p>
-        </p:txBody>
-      </p:sp>
-      <p:pic>
-        <p:nvPicPr>
-          <p:cNvPr id="1026" name="Picture 2" descr="https://kanbanize.com/wp-content/uploads/website-images/kanban-resources/pdca.png">
-            <a:extLst>
-              <a:ext uri="{FF2B5EF4-FFF2-40B4-BE49-F238E27FC236}">
-                <a16:creationId xmlns:a16="http://schemas.microsoft.com/office/drawing/2014/main" id="{0A64F86C-0673-44DC-AA07-A50340A56044}"/>
-              </a:ext>
-            </a:extLst>
-          </p:cNvPr>
-          <p:cNvPicPr>
-            <a:picLocks noChangeAspect="1" noChangeArrowheads="1"/>
-          </p:cNvPicPr>
-          <p:nvPr/>
-        </p:nvPicPr>
-        <p:blipFill>
-          <a:blip r:embed="rId2">
-            <a:extLst>
-              <a:ext uri="{28A0092B-C50C-407E-A947-70E740481C1C}">
-                <a14:useLocalDpi xmlns:a14="http://schemas.microsoft.com/office/drawing/2010/main" val="0"/>
-              </a:ext>
-            </a:extLst>
-          </a:blip>
-          <a:srcRect/>
-          <a:stretch>
-            <a:fillRect/>
-          </a:stretch>
-        </p:blipFill>
-        <p:spPr bwMode="auto">
-          <a:xfrm>
-            <a:off x="1640136" y="1219969"/>
-            <a:ext cx="8911727" cy="5638031"/>
-          </a:xfrm>
-          <a:prstGeom prst="rect">
-            <a:avLst/>
-          </a:prstGeom>
-          <a:noFill/>
-          <a:extLst>
-            <a:ext uri="{909E8E84-426E-40DD-AFC4-6F175D3DCCD1}">
-              <a14:hiddenFill xmlns:a14="http://schemas.microsoft.com/office/drawing/2010/main">
-                <a:solidFill>
-                  <a:srgbClr val="FFFFFF"/>
-                </a:solidFill>
-              </a14:hiddenFill>
-            </a:ext>
-          </a:extLst>
-        </p:spPr>
-      </p:pic>
-    </p:spTree>
-    <p:extLst>
-      <p:ext uri="{BB962C8B-B14F-4D97-AF65-F5344CB8AC3E}">
-        <p14:creationId xmlns:p14="http://schemas.microsoft.com/office/powerpoint/2010/main" val="2133954642"/>
-      </p:ext>
-    </p:extLst>
-  </p:cSld>
-  <p:clrMapOvr>
-    <a:masterClrMapping/>
-  </p:clrMapOvr>
-</p:sld>
-</file>
-
 <file path=ppt/slides/slide2.xml><?xml version="1.0" encoding="utf-8"?>
 <p:sld xmlns:a="http://schemas.openxmlformats.org/drawingml/2006/main" xmlns:r="http://schemas.openxmlformats.org/officeDocument/2006/relationships" xmlns:p="http://schemas.openxmlformats.org/presentationml/2006/main">
   <p:cSld>
@@ -4750,7 +4642,7 @@
           <a:p>
             <a:r>
               <a:rPr lang="en-US" dirty="0"/>
-              <a:t>My Reflection pt1</a:t>
+              <a:t>My Reflection</a:t>
             </a:r>
           </a:p>
         </p:txBody>
@@ -4780,45 +4672,25 @@
           <a:p>
             <a:r>
               <a:rPr lang="en-US" dirty="0"/>
-              <a:t>What is one </a:t>
-            </a:r>
-            <a:r>
-              <a:rPr lang="en-US" strike="sngStrike" dirty="0"/>
-              <a:t>technique</a:t>
-            </a:r>
+              <a:t>I </a:t>
+            </a:r>
+            <a:r>
+              <a:rPr lang="en-US" dirty="0" err="1"/>
+              <a:t>forgor</a:t>
+            </a:r>
+            <a:endParaRPr lang="en-US" dirty="0"/>
+          </a:p>
+          <a:p>
+            <a:pPr lvl="1"/>
             <a:r>
               <a:rPr lang="en-US" dirty="0"/>
-              <a:t> thing you learned in </a:t>
-            </a:r>
-            <a:r>
-              <a:rPr lang="en-US" strike="sngStrike" dirty="0"/>
-              <a:t>coding</a:t>
-            </a:r>
-            <a:r>
-              <a:rPr lang="en-US" dirty="0"/>
-              <a:t> teaching this week, and how will you use it in the future?</a:t>
-            </a:r>
-          </a:p>
-          <a:p>
-            <a:pPr lvl="1"/>
-            <a:r>
-              <a:rPr lang="en-US" dirty="0"/>
-              <a:t>Write everything down. Instead of giving a lesson, give out a worksheet that can be kept as notes, THEN give a off-the-cuff lesson about that worksheet.</a:t>
-            </a:r>
-          </a:p>
-          <a:p>
-            <a:pPr lvl="1"/>
-            <a:r>
-              <a:rPr lang="en-US" dirty="0"/>
-              <a:t>You’ll have the worksheet for next year. Even if you forget your Order of Study, you can piece it back together from all of the worksheets you did previously.</a:t>
-            </a:r>
-          </a:p>
-          <a:p>
-            <a:pPr lvl="1"/>
-            <a:r>
-              <a:rPr lang="en-US" dirty="0"/>
-              <a:t>Students need multiple forms of engagement anyways, so you’re killing two birds with one stone.</a:t>
-            </a:r>
+              <a:t>I actually had some really good stuff for the time-management section, but I didn’t write down a note so I </a:t>
+            </a:r>
+            <a:r>
+              <a:rPr lang="en-US"/>
+              <a:t>completely forget.</a:t>
+            </a:r>
+            <a:endParaRPr lang="en-US" dirty="0"/>
           </a:p>
         </p:txBody>
       </p:sp>
@@ -4883,33 +4755,15 @@
                                   </p:childTnLst>
                                 </p:cTn>
                               </p:par>
-                            </p:childTnLst>
-                          </p:cTn>
-                        </p:par>
-                      </p:childTnLst>
-                    </p:cTn>
-                  </p:par>
-                  <p:par>
-                    <p:cTn id="7" fill="hold">
-                      <p:stCondLst>
-                        <p:cond delay="indefinite"/>
-                      </p:stCondLst>
-                      <p:childTnLst>
-                        <p:par>
-                          <p:cTn id="8" fill="hold">
-                            <p:stCondLst>
-                              <p:cond delay="0"/>
-                            </p:stCondLst>
-                            <p:childTnLst>
                               <p:par>
-                                <p:cTn id="9" presetID="1" presetClass="entr" presetSubtype="0" fill="hold" grpId="0" nodeType="clickEffect">
+                                <p:cTn id="7" presetID="1" presetClass="entr" presetSubtype="0" fill="hold" grpId="0" nodeType="withEffect">
                                   <p:stCondLst>
                                     <p:cond delay="0"/>
                                   </p:stCondLst>
                                   <p:childTnLst>
                                     <p:set>
                                       <p:cBhvr>
-                                        <p:cTn id="10" dur="1" fill="hold">
+                                        <p:cTn id="8" dur="1" fill="hold">
                                           <p:stCondLst>
                                             <p:cond delay="0"/>
                                           </p:stCondLst>
@@ -4918,104 +4772,6 @@
                                           <p:spTgt spid="3">
                                             <p:txEl>
                                               <p:pRg st="1" end="1"/>
-                                            </p:txEl>
-                                          </p:spTgt>
-                                        </p:tgtEl>
-                                        <p:attrNameLst>
-                                          <p:attrName>style.visibility</p:attrName>
-                                        </p:attrNameLst>
-                                      </p:cBhvr>
-                                      <p:to>
-                                        <p:strVal val="visible"/>
-                                      </p:to>
-                                    </p:set>
-                                  </p:childTnLst>
-                                </p:cTn>
-                              </p:par>
-                            </p:childTnLst>
-                          </p:cTn>
-                        </p:par>
-                      </p:childTnLst>
-                    </p:cTn>
-                  </p:par>
-                  <p:par>
-                    <p:cTn id="11" fill="hold">
-                      <p:stCondLst>
-                        <p:cond delay="indefinite"/>
-                      </p:stCondLst>
-                      <p:childTnLst>
-                        <p:par>
-                          <p:cTn id="12" fill="hold">
-                            <p:stCondLst>
-                              <p:cond delay="0"/>
-                            </p:stCondLst>
-                            <p:childTnLst>
-                              <p:par>
-                                <p:cTn id="13" presetID="1" presetClass="entr" presetSubtype="0" fill="hold" grpId="0" nodeType="clickEffect">
-                                  <p:stCondLst>
-                                    <p:cond delay="0"/>
-                                  </p:stCondLst>
-                                  <p:childTnLst>
-                                    <p:set>
-                                      <p:cBhvr>
-                                        <p:cTn id="14" dur="1" fill="hold">
-                                          <p:stCondLst>
-                                            <p:cond delay="0"/>
-                                          </p:stCondLst>
-                                        </p:cTn>
-                                        <p:tgtEl>
-                                          <p:spTgt spid="3">
-                                            <p:txEl>
-                                              <p:pRg st="2" end="2"/>
-                                            </p:txEl>
-                                          </p:spTgt>
-                                        </p:tgtEl>
-                                        <p:attrNameLst>
-                                          <p:attrName>style.visibility</p:attrName>
-                                        </p:attrNameLst>
-                                      </p:cBhvr>
-                                      <p:to>
-                                        <p:strVal val="visible"/>
-                                      </p:to>
-                                    </p:set>
-                                  </p:childTnLst>
-                                </p:cTn>
-                              </p:par>
-                            </p:childTnLst>
-                          </p:cTn>
-                        </p:par>
-                      </p:childTnLst>
-                    </p:cTn>
-                  </p:par>
-                  <p:par>
-                    <p:cTn id="15" fill="hold">
-                      <p:stCondLst>
-                        <p:cond delay="indefinite"/>
-                      </p:stCondLst>
-                      <p:childTnLst>
-                        <p:par>
-                          <p:cTn id="16" fill="hold">
-                            <p:stCondLst>
-                              <p:cond delay="0"/>
-                            </p:stCondLst>
-                            <p:childTnLst>
-                              <p:par>
-                                <p:cTn id="17" presetID="1" presetClass="entr" presetSubtype="0" fill="hold" grpId="0" nodeType="clickEffect">
-                                  <p:stCondLst>
-                                    <p:cond delay="0"/>
-                                  </p:stCondLst>
-                                  <p:childTnLst>
-                                    <p:set>
-                                      <p:cBhvr>
-                                        <p:cTn id="18" dur="1" fill="hold">
-                                          <p:stCondLst>
-                                            <p:cond delay="0"/>
-                                          </p:stCondLst>
-                                        </p:cTn>
-                                        <p:tgtEl>
-                                          <p:spTgt spid="3">
-                                            <p:txEl>
-                                              <p:pRg st="3" end="3"/>
                                             </p:txEl>
                                           </p:spTgt>
                                         </p:tgtEl>
@@ -5086,7 +4842,7 @@
           <p:cNvPr id="2" name="Title 1">
             <a:extLst>
               <a:ext uri="{FF2B5EF4-FFF2-40B4-BE49-F238E27FC236}">
-                <a16:creationId xmlns:a16="http://schemas.microsoft.com/office/drawing/2014/main" id="{EFB7A114-7299-4371-9D89-F6EC11E31C2B}"/>
+                <a16:creationId xmlns:a16="http://schemas.microsoft.com/office/drawing/2014/main" id="{D8A007DE-64F1-498B-BB5C-EE0FC11B39B7}"/>
               </a:ext>
             </a:extLst>
           </p:cNvPr>
@@ -5104,7 +4860,7 @@
           <a:p>
             <a:r>
               <a:rPr lang="en-US" dirty="0"/>
-              <a:t>My Reflection pt2</a:t>
+              <a:t>This week / Loose Ends</a:t>
             </a:r>
           </a:p>
         </p:txBody>
@@ -5114,7 +4870,7 @@
           <p:cNvPr id="3" name="Content Placeholder 2">
             <a:extLst>
               <a:ext uri="{FF2B5EF4-FFF2-40B4-BE49-F238E27FC236}">
-                <a16:creationId xmlns:a16="http://schemas.microsoft.com/office/drawing/2014/main" id="{7E3E6E5D-3DD3-4262-AA5A-C8A389C0B16C}"/>
+                <a16:creationId xmlns:a16="http://schemas.microsoft.com/office/drawing/2014/main" id="{45EC885E-E553-4463-BA3B-228F45C073F1}"/>
               </a:ext>
             </a:extLst>
           </p:cNvPr>
@@ -5127,19 +4883,26 @@
         </p:nvSpPr>
         <p:spPr/>
         <p:txBody>
-          <a:bodyPr/>
+          <a:bodyPr>
+            <a:normAutofit/>
+          </a:bodyPr>
           <a:lstStyle/>
           <a:p>
             <a:r>
               <a:rPr lang="en-US" dirty="0"/>
-              <a:t>What was a challenge to your time management this week, and what can you do to avoid it in the future?</a:t>
-            </a:r>
-          </a:p>
-          <a:p>
-            <a:pPr lvl="1"/>
+              <a:t>Read the DocPac</a:t>
+            </a:r>
+          </a:p>
+          <a:p>
             <a:r>
               <a:rPr lang="en-US" dirty="0"/>
-              <a:t>I just gave zero thought to when I was going to get my </a:t>
+              <a:t>If there is an error in the DocPac, message me, then FIX it and open a PR.</a:t>
+            </a:r>
+          </a:p>
+          <a:p>
+            <a:r>
+              <a:rPr lang="en-US" dirty="0"/>
+              <a:t>I haven’t graded two weeks of </a:t>
             </a:r>
             <a:r>
               <a:rPr lang="en-US" dirty="0" err="1"/>
@@ -5147,30 +4910,20 @@
             </a:r>
             <a:r>
               <a:rPr lang="en-US" dirty="0"/>
-              <a:t> graded. I’ve almost never left the school without the </a:t>
-            </a:r>
-            <a:r>
-              <a:rPr lang="en-US" dirty="0" err="1"/>
-              <a:t>DocPacs</a:t>
-            </a:r>
-            <a:r>
-              <a:rPr lang="en-US" dirty="0"/>
-              <a:t> in my backpack, but for some reason I just left without them.</a:t>
-            </a:r>
-          </a:p>
-          <a:p>
-            <a:pPr lvl="1"/>
-            <a:r>
-              <a:rPr lang="en-US" dirty="0"/>
-              <a:t>Maybe I should start grading them in class on Friday and leave after they’re done. It worked in the past, but I can’t remember what else was happening that made it so effective that week.</a:t>
-            </a:r>
+              <a:t>. </a:t>
+            </a:r>
+            <a:r>
+              <a:rPr lang="en-US"/>
+              <a:t>Oops!</a:t>
+            </a:r>
+            <a:endParaRPr lang="en-US" dirty="0"/>
           </a:p>
         </p:txBody>
       </p:sp>
     </p:spTree>
     <p:extLst>
       <p:ext uri="{BB962C8B-B14F-4D97-AF65-F5344CB8AC3E}">
-        <p14:creationId xmlns:p14="http://schemas.microsoft.com/office/powerpoint/2010/main" val="166722940"/>
+        <p14:creationId xmlns:p14="http://schemas.microsoft.com/office/powerpoint/2010/main" val="3186301414"/>
       </p:ext>
     </p:extLst>
   </p:cSld>
@@ -5382,7 +5135,7 @@
           <p:cNvPr id="2" name="Title 1">
             <a:extLst>
               <a:ext uri="{FF2B5EF4-FFF2-40B4-BE49-F238E27FC236}">
-                <a16:creationId xmlns:a16="http://schemas.microsoft.com/office/drawing/2014/main" id="{DDA6E914-7486-4884-9AB0-4FF8A7E4DBE1}"/>
+                <a16:creationId xmlns:a16="http://schemas.microsoft.com/office/drawing/2014/main" id="{B1CDBE70-A058-4794-B4F7-F8FC28156A81}"/>
               </a:ext>
             </a:extLst>
           </p:cNvPr>
@@ -5398,698 +5151,71 @@
           <a:bodyPr/>
           <a:lstStyle/>
           <a:p>
+            <a:pPr algn="ctr"/>
             <a:r>
               <a:rPr lang="en-US" dirty="0"/>
-              <a:t>My Reflection pt3</a:t>
-            </a:r>
-          </a:p>
-        </p:txBody>
-      </p:sp>
-      <p:sp>
-        <p:nvSpPr>
-          <p:cNvPr id="3" name="Content Placeholder 2">
-            <a:extLst>
-              <a:ext uri="{FF2B5EF4-FFF2-40B4-BE49-F238E27FC236}">
-                <a16:creationId xmlns:a16="http://schemas.microsoft.com/office/drawing/2014/main" id="{911F6C78-4F2B-44D8-A656-6D8B81E58B48}"/>
-              </a:ext>
-            </a:extLst>
-          </p:cNvPr>
-          <p:cNvSpPr>
-            <a:spLocks noGrp="1"/>
-          </p:cNvSpPr>
-          <p:nvPr>
-            <p:ph idx="1"/>
-          </p:nvPr>
-        </p:nvSpPr>
-        <p:spPr/>
-        <p:txBody>
-          <a:bodyPr>
-            <a:normAutofit/>
-          </a:bodyPr>
-          <a:lstStyle/>
-          <a:p>
-            <a:r>
-              <a:rPr lang="en-US" dirty="0"/>
-              <a:t>What opportunities did you NOT you take advantage of this week?</a:t>
-            </a:r>
-          </a:p>
-          <a:p>
-            <a:pPr lvl="1"/>
-            <a:r>
-              <a:rPr lang="en-US" dirty="0"/>
-              <a:t>… … … … … …</a:t>
-            </a:r>
-          </a:p>
-          <a:p>
-            <a:pPr lvl="1"/>
-            <a:r>
-              <a:rPr lang="en-US" dirty="0"/>
-              <a:t>I didn’t sell my Warhammer armies</a:t>
-            </a:r>
-          </a:p>
-          <a:p>
-            <a:pPr lvl="1"/>
-            <a:r>
-              <a:rPr lang="en-US" dirty="0"/>
-              <a:t>I DID take pictures of random models I know I want to sell. About $500 worth.</a:t>
-            </a:r>
-          </a:p>
-          <a:p>
-            <a:pPr lvl="1"/>
-            <a:r>
-              <a:rPr lang="en-US" dirty="0"/>
-              <a:t>I </a:t>
-            </a:r>
-            <a:r>
-              <a:rPr lang="en-US" i="1" dirty="0"/>
-              <a:t>really</a:t>
-            </a:r>
-            <a:r>
-              <a:rPr lang="en-US" dirty="0"/>
-              <a:t> want to play with my armies this week, but I should use my time listing the other stuff on eBay. The sooner I do, the sooner I can pay off the credit card I used for the new models. Interest on that card alone is about one box of Warhammer.</a:t>
-            </a:r>
-          </a:p>
-          <a:p>
-            <a:pPr lvl="1"/>
-            <a:r>
-              <a:rPr lang="en-US" dirty="0"/>
-              <a:t>I’ve also ignored quite a few emails last week. I need to follow up with everything immediately.</a:t>
-            </a:r>
-          </a:p>
-        </p:txBody>
-      </p:sp>
+              <a:t>Continuous Improvement</a:t>
+            </a:r>
+          </a:p>
+        </p:txBody>
+      </p:sp>
+      <p:pic>
+        <p:nvPicPr>
+          <p:cNvPr id="1026" name="Picture 2" descr="https://kanbanize.com/wp-content/uploads/website-images/kanban-resources/pdca.png">
+            <a:extLst>
+              <a:ext uri="{FF2B5EF4-FFF2-40B4-BE49-F238E27FC236}">
+                <a16:creationId xmlns:a16="http://schemas.microsoft.com/office/drawing/2014/main" id="{0A64F86C-0673-44DC-AA07-A50340A56044}"/>
+              </a:ext>
+            </a:extLst>
+          </p:cNvPr>
+          <p:cNvPicPr>
+            <a:picLocks noChangeAspect="1" noChangeArrowheads="1"/>
+          </p:cNvPicPr>
+          <p:nvPr/>
+        </p:nvPicPr>
+        <p:blipFill>
+          <a:blip r:embed="rId2">
+            <a:extLst>
+              <a:ext uri="{28A0092B-C50C-407E-A947-70E740481C1C}">
+                <a14:useLocalDpi xmlns:a14="http://schemas.microsoft.com/office/drawing/2010/main" val="0"/>
+              </a:ext>
+            </a:extLst>
+          </a:blip>
+          <a:srcRect/>
+          <a:stretch>
+            <a:fillRect/>
+          </a:stretch>
+        </p:blipFill>
+        <p:spPr bwMode="auto">
+          <a:xfrm>
+            <a:off x="1640136" y="1219969"/>
+            <a:ext cx="8911727" cy="5638031"/>
+          </a:xfrm>
+          <a:prstGeom prst="rect">
+            <a:avLst/>
+          </a:prstGeom>
+          <a:noFill/>
+          <a:extLst>
+            <a:ext uri="{909E8E84-426E-40DD-AFC4-6F175D3DCCD1}">
+              <a14:hiddenFill xmlns:a14="http://schemas.microsoft.com/office/drawing/2010/main">
+                <a:solidFill>
+                  <a:srgbClr val="FFFFFF"/>
+                </a:solidFill>
+              </a14:hiddenFill>
+            </a:ext>
+          </a:extLst>
+        </p:spPr>
+      </p:pic>
     </p:spTree>
     <p:extLst>
       <p:ext uri="{BB962C8B-B14F-4D97-AF65-F5344CB8AC3E}">
-        <p14:creationId xmlns:p14="http://schemas.microsoft.com/office/powerpoint/2010/main" val="4294327657"/>
+        <p14:creationId xmlns:p14="http://schemas.microsoft.com/office/powerpoint/2010/main" val="2133954642"/>
       </p:ext>
     </p:extLst>
   </p:cSld>
   <p:clrMapOvr>
     <a:masterClrMapping/>
   </p:clrMapOvr>
-  <p:timing>
-    <p:tnLst>
-      <p:par>
-        <p:cTn id="1" dur="indefinite" restart="never" nodeType="tmRoot">
-          <p:childTnLst>
-            <p:seq concurrent="1" nextAc="seek">
-              <p:cTn id="2" dur="indefinite" nodeType="mainSeq">
-                <p:childTnLst>
-                  <p:par>
-                    <p:cTn id="3" fill="hold">
-                      <p:stCondLst>
-                        <p:cond delay="indefinite"/>
-                      </p:stCondLst>
-                      <p:childTnLst>
-                        <p:par>
-                          <p:cTn id="4" fill="hold">
-                            <p:stCondLst>
-                              <p:cond delay="0"/>
-                            </p:stCondLst>
-                            <p:childTnLst>
-                              <p:par>
-                                <p:cTn id="5" presetID="1" presetClass="entr" presetSubtype="0" fill="hold" grpId="0" nodeType="clickEffect">
-                                  <p:stCondLst>
-                                    <p:cond delay="0"/>
-                                  </p:stCondLst>
-                                  <p:childTnLst>
-                                    <p:set>
-                                      <p:cBhvr>
-                                        <p:cTn id="6" dur="1" fill="hold">
-                                          <p:stCondLst>
-                                            <p:cond delay="0"/>
-                                          </p:stCondLst>
-                                        </p:cTn>
-                                        <p:tgtEl>
-                                          <p:spTgt spid="3">
-                                            <p:txEl>
-                                              <p:pRg st="0" end="0"/>
-                                            </p:txEl>
-                                          </p:spTgt>
-                                        </p:tgtEl>
-                                        <p:attrNameLst>
-                                          <p:attrName>style.visibility</p:attrName>
-                                        </p:attrNameLst>
-                                      </p:cBhvr>
-                                      <p:to>
-                                        <p:strVal val="visible"/>
-                                      </p:to>
-                                    </p:set>
-                                  </p:childTnLst>
-                                </p:cTn>
-                              </p:par>
-                            </p:childTnLst>
-                          </p:cTn>
-                        </p:par>
-                      </p:childTnLst>
-                    </p:cTn>
-                  </p:par>
-                  <p:par>
-                    <p:cTn id="7" fill="hold">
-                      <p:stCondLst>
-                        <p:cond delay="indefinite"/>
-                      </p:stCondLst>
-                      <p:childTnLst>
-                        <p:par>
-                          <p:cTn id="8" fill="hold">
-                            <p:stCondLst>
-                              <p:cond delay="0"/>
-                            </p:stCondLst>
-                            <p:childTnLst>
-                              <p:par>
-                                <p:cTn id="9" presetID="1" presetClass="entr" presetSubtype="0" fill="hold" grpId="0" nodeType="clickEffect">
-                                  <p:stCondLst>
-                                    <p:cond delay="0"/>
-                                  </p:stCondLst>
-                                  <p:childTnLst>
-                                    <p:set>
-                                      <p:cBhvr>
-                                        <p:cTn id="10" dur="1" fill="hold">
-                                          <p:stCondLst>
-                                            <p:cond delay="0"/>
-                                          </p:stCondLst>
-                                        </p:cTn>
-                                        <p:tgtEl>
-                                          <p:spTgt spid="3">
-                                            <p:txEl>
-                                              <p:pRg st="1" end="1"/>
-                                            </p:txEl>
-                                          </p:spTgt>
-                                        </p:tgtEl>
-                                        <p:attrNameLst>
-                                          <p:attrName>style.visibility</p:attrName>
-                                        </p:attrNameLst>
-                                      </p:cBhvr>
-                                      <p:to>
-                                        <p:strVal val="visible"/>
-                                      </p:to>
-                                    </p:set>
-                                  </p:childTnLst>
-                                </p:cTn>
-                              </p:par>
-                            </p:childTnLst>
-                          </p:cTn>
-                        </p:par>
-                      </p:childTnLst>
-                    </p:cTn>
-                  </p:par>
-                  <p:par>
-                    <p:cTn id="11" fill="hold">
-                      <p:stCondLst>
-                        <p:cond delay="indefinite"/>
-                      </p:stCondLst>
-                      <p:childTnLst>
-                        <p:par>
-                          <p:cTn id="12" fill="hold">
-                            <p:stCondLst>
-                              <p:cond delay="0"/>
-                            </p:stCondLst>
-                            <p:childTnLst>
-                              <p:par>
-                                <p:cTn id="13" presetID="1" presetClass="entr" presetSubtype="0" fill="hold" grpId="0" nodeType="clickEffect">
-                                  <p:stCondLst>
-                                    <p:cond delay="0"/>
-                                  </p:stCondLst>
-                                  <p:childTnLst>
-                                    <p:set>
-                                      <p:cBhvr>
-                                        <p:cTn id="14" dur="1" fill="hold">
-                                          <p:stCondLst>
-                                            <p:cond delay="0"/>
-                                          </p:stCondLst>
-                                        </p:cTn>
-                                        <p:tgtEl>
-                                          <p:spTgt spid="3">
-                                            <p:txEl>
-                                              <p:pRg st="2" end="2"/>
-                                            </p:txEl>
-                                          </p:spTgt>
-                                        </p:tgtEl>
-                                        <p:attrNameLst>
-                                          <p:attrName>style.visibility</p:attrName>
-                                        </p:attrNameLst>
-                                      </p:cBhvr>
-                                      <p:to>
-                                        <p:strVal val="visible"/>
-                                      </p:to>
-                                    </p:set>
-                                  </p:childTnLst>
-                                </p:cTn>
-                              </p:par>
-                            </p:childTnLst>
-                          </p:cTn>
-                        </p:par>
-                      </p:childTnLst>
-                    </p:cTn>
-                  </p:par>
-                  <p:par>
-                    <p:cTn id="15" fill="hold">
-                      <p:stCondLst>
-                        <p:cond delay="indefinite"/>
-                      </p:stCondLst>
-                      <p:childTnLst>
-                        <p:par>
-                          <p:cTn id="16" fill="hold">
-                            <p:stCondLst>
-                              <p:cond delay="0"/>
-                            </p:stCondLst>
-                            <p:childTnLst>
-                              <p:par>
-                                <p:cTn id="17" presetID="1" presetClass="entr" presetSubtype="0" fill="hold" grpId="0" nodeType="clickEffect">
-                                  <p:stCondLst>
-                                    <p:cond delay="0"/>
-                                  </p:stCondLst>
-                                  <p:childTnLst>
-                                    <p:set>
-                                      <p:cBhvr>
-                                        <p:cTn id="18" dur="1" fill="hold">
-                                          <p:stCondLst>
-                                            <p:cond delay="0"/>
-                                          </p:stCondLst>
-                                        </p:cTn>
-                                        <p:tgtEl>
-                                          <p:spTgt spid="3">
-                                            <p:txEl>
-                                              <p:pRg st="3" end="3"/>
-                                            </p:txEl>
-                                          </p:spTgt>
-                                        </p:tgtEl>
-                                        <p:attrNameLst>
-                                          <p:attrName>style.visibility</p:attrName>
-                                        </p:attrNameLst>
-                                      </p:cBhvr>
-                                      <p:to>
-                                        <p:strVal val="visible"/>
-                                      </p:to>
-                                    </p:set>
-                                  </p:childTnLst>
-                                </p:cTn>
-                              </p:par>
-                            </p:childTnLst>
-                          </p:cTn>
-                        </p:par>
-                      </p:childTnLst>
-                    </p:cTn>
-                  </p:par>
-                  <p:par>
-                    <p:cTn id="19" fill="hold">
-                      <p:stCondLst>
-                        <p:cond delay="indefinite"/>
-                      </p:stCondLst>
-                      <p:childTnLst>
-                        <p:par>
-                          <p:cTn id="20" fill="hold">
-                            <p:stCondLst>
-                              <p:cond delay="0"/>
-                            </p:stCondLst>
-                            <p:childTnLst>
-                              <p:par>
-                                <p:cTn id="21" presetID="1" presetClass="entr" presetSubtype="0" fill="hold" grpId="0" nodeType="clickEffect">
-                                  <p:stCondLst>
-                                    <p:cond delay="0"/>
-                                  </p:stCondLst>
-                                  <p:childTnLst>
-                                    <p:set>
-                                      <p:cBhvr>
-                                        <p:cTn id="22" dur="1" fill="hold">
-                                          <p:stCondLst>
-                                            <p:cond delay="0"/>
-                                          </p:stCondLst>
-                                        </p:cTn>
-                                        <p:tgtEl>
-                                          <p:spTgt spid="3">
-                                            <p:txEl>
-                                              <p:pRg st="4" end="4"/>
-                                            </p:txEl>
-                                          </p:spTgt>
-                                        </p:tgtEl>
-                                        <p:attrNameLst>
-                                          <p:attrName>style.visibility</p:attrName>
-                                        </p:attrNameLst>
-                                      </p:cBhvr>
-                                      <p:to>
-                                        <p:strVal val="visible"/>
-                                      </p:to>
-                                    </p:set>
-                                  </p:childTnLst>
-                                </p:cTn>
-                              </p:par>
-                              <p:par>
-                                <p:cTn id="23" presetID="1" presetClass="entr" presetSubtype="0" fill="hold" grpId="0" nodeType="withEffect">
-                                  <p:stCondLst>
-                                    <p:cond delay="0"/>
-                                  </p:stCondLst>
-                                  <p:childTnLst>
-                                    <p:set>
-                                      <p:cBhvr>
-                                        <p:cTn id="24" dur="1" fill="hold">
-                                          <p:stCondLst>
-                                            <p:cond delay="0"/>
-                                          </p:stCondLst>
-                                        </p:cTn>
-                                        <p:tgtEl>
-                                          <p:spTgt spid="3">
-                                            <p:txEl>
-                                              <p:pRg st="5" end="5"/>
-                                            </p:txEl>
-                                          </p:spTgt>
-                                        </p:tgtEl>
-                                        <p:attrNameLst>
-                                          <p:attrName>style.visibility</p:attrName>
-                                        </p:attrNameLst>
-                                      </p:cBhvr>
-                                      <p:to>
-                                        <p:strVal val="visible"/>
-                                      </p:to>
-                                    </p:set>
-                                  </p:childTnLst>
-                                </p:cTn>
-                              </p:par>
-                            </p:childTnLst>
-                          </p:cTn>
-                        </p:par>
-                      </p:childTnLst>
-                    </p:cTn>
-                  </p:par>
-                </p:childTnLst>
-              </p:cTn>
-              <p:prevCondLst>
-                <p:cond evt="onPrev" delay="0">
-                  <p:tgtEl>
-                    <p:sldTgt/>
-                  </p:tgtEl>
-                </p:cond>
-              </p:prevCondLst>
-              <p:nextCondLst>
-                <p:cond evt="onNext" delay="0">
-                  <p:tgtEl>
-                    <p:sldTgt/>
-                  </p:tgtEl>
-                </p:cond>
-              </p:nextCondLst>
-            </p:seq>
-          </p:childTnLst>
-        </p:cTn>
-      </p:par>
-    </p:tnLst>
-    <p:bldLst>
-      <p:bldP spid="3" grpId="0" uiExpand="1" build="p"/>
-    </p:bldLst>
-  </p:timing>
-</p:sld>
-</file>
-
-<file path=ppt/slides/slide9.xml><?xml version="1.0" encoding="utf-8"?>
-<p:sld xmlns:a="http://schemas.openxmlformats.org/drawingml/2006/main" xmlns:r="http://schemas.openxmlformats.org/officeDocument/2006/relationships" xmlns:p="http://schemas.openxmlformats.org/presentationml/2006/main">
-  <p:cSld>
-    <p:spTree>
-      <p:nvGrpSpPr>
-        <p:cNvPr id="1" name=""/>
-        <p:cNvGrpSpPr/>
-        <p:nvPr/>
-      </p:nvGrpSpPr>
-      <p:grpSpPr>
-        <a:xfrm>
-          <a:off x="0" y="0"/>
-          <a:ext cx="0" cy="0"/>
-          <a:chOff x="0" y="0"/>
-          <a:chExt cx="0" cy="0"/>
-        </a:xfrm>
-      </p:grpSpPr>
-      <p:sp>
-        <p:nvSpPr>
-          <p:cNvPr id="2" name="Title 1">
-            <a:extLst>
-              <a:ext uri="{FF2B5EF4-FFF2-40B4-BE49-F238E27FC236}">
-                <a16:creationId xmlns:a16="http://schemas.microsoft.com/office/drawing/2014/main" id="{D8A007DE-64F1-498B-BB5C-EE0FC11B39B7}"/>
-              </a:ext>
-            </a:extLst>
-          </p:cNvPr>
-          <p:cNvSpPr>
-            <a:spLocks noGrp="1"/>
-          </p:cNvSpPr>
-          <p:nvPr>
-            <p:ph type="title"/>
-          </p:nvPr>
-        </p:nvSpPr>
-        <p:spPr/>
-        <p:txBody>
-          <a:bodyPr/>
-          <a:lstStyle/>
-          <a:p>
-            <a:r>
-              <a:rPr lang="en-US" dirty="0"/>
-              <a:t>This week / Loose Ends</a:t>
-            </a:r>
-          </a:p>
-        </p:txBody>
-      </p:sp>
-      <p:sp>
-        <p:nvSpPr>
-          <p:cNvPr id="3" name="Content Placeholder 2">
-            <a:extLst>
-              <a:ext uri="{FF2B5EF4-FFF2-40B4-BE49-F238E27FC236}">
-                <a16:creationId xmlns:a16="http://schemas.microsoft.com/office/drawing/2014/main" id="{45EC885E-E553-4463-BA3B-228F45C073F1}"/>
-              </a:ext>
-            </a:extLst>
-          </p:cNvPr>
-          <p:cNvSpPr>
-            <a:spLocks noGrp="1"/>
-          </p:cNvSpPr>
-          <p:nvPr>
-            <p:ph idx="1"/>
-          </p:nvPr>
-        </p:nvSpPr>
-        <p:spPr/>
-        <p:txBody>
-          <a:bodyPr>
-            <a:normAutofit/>
-          </a:bodyPr>
-          <a:lstStyle/>
-          <a:p>
-            <a:r>
-              <a:rPr lang="en-US" dirty="0"/>
-              <a:t>Read the DocPac</a:t>
-            </a:r>
-          </a:p>
-          <a:p>
-            <a:r>
-              <a:rPr lang="en-US" dirty="0"/>
-              <a:t>If there is an error in the DocPac, message me, then FIX it and open a PR.</a:t>
-            </a:r>
-          </a:p>
-          <a:p>
-            <a:r>
-              <a:rPr lang="en-US" dirty="0"/>
-              <a:t>I haven’t graded two weeks of </a:t>
-            </a:r>
-            <a:r>
-              <a:rPr lang="en-US" dirty="0" err="1"/>
-              <a:t>DocPacs</a:t>
-            </a:r>
-            <a:r>
-              <a:rPr lang="en-US" dirty="0"/>
-              <a:t>. </a:t>
-            </a:r>
-            <a:r>
-              <a:rPr lang="en-US"/>
-              <a:t>Oops!</a:t>
-            </a:r>
-            <a:endParaRPr lang="en-US" dirty="0"/>
-          </a:p>
-        </p:txBody>
-      </p:sp>
-    </p:spTree>
-    <p:extLst>
-      <p:ext uri="{BB962C8B-B14F-4D97-AF65-F5344CB8AC3E}">
-        <p14:creationId xmlns:p14="http://schemas.microsoft.com/office/powerpoint/2010/main" val="3186301414"/>
-      </p:ext>
-    </p:extLst>
-  </p:cSld>
-  <p:clrMapOvr>
-    <a:masterClrMapping/>
-  </p:clrMapOvr>
-  <p:timing>
-    <p:tnLst>
-      <p:par>
-        <p:cTn id="1" dur="indefinite" restart="never" nodeType="tmRoot">
-          <p:childTnLst>
-            <p:seq concurrent="1" nextAc="seek">
-              <p:cTn id="2" dur="indefinite" nodeType="mainSeq">
-                <p:childTnLst>
-                  <p:par>
-                    <p:cTn id="3" fill="hold">
-                      <p:stCondLst>
-                        <p:cond delay="indefinite"/>
-                      </p:stCondLst>
-                      <p:childTnLst>
-                        <p:par>
-                          <p:cTn id="4" fill="hold">
-                            <p:stCondLst>
-                              <p:cond delay="0"/>
-                            </p:stCondLst>
-                            <p:childTnLst>
-                              <p:par>
-                                <p:cTn id="5" presetID="1" presetClass="entr" presetSubtype="0" fill="hold" grpId="0" nodeType="clickEffect">
-                                  <p:stCondLst>
-                                    <p:cond delay="0"/>
-                                  </p:stCondLst>
-                                  <p:childTnLst>
-                                    <p:set>
-                                      <p:cBhvr>
-                                        <p:cTn id="6" dur="1" fill="hold">
-                                          <p:stCondLst>
-                                            <p:cond delay="0"/>
-                                          </p:stCondLst>
-                                        </p:cTn>
-                                        <p:tgtEl>
-                                          <p:spTgt spid="3">
-                                            <p:txEl>
-                                              <p:pRg st="0" end="0"/>
-                                            </p:txEl>
-                                          </p:spTgt>
-                                        </p:tgtEl>
-                                        <p:attrNameLst>
-                                          <p:attrName>style.visibility</p:attrName>
-                                        </p:attrNameLst>
-                                      </p:cBhvr>
-                                      <p:to>
-                                        <p:strVal val="visible"/>
-                                      </p:to>
-                                    </p:set>
-                                  </p:childTnLst>
-                                </p:cTn>
-                              </p:par>
-                            </p:childTnLst>
-                          </p:cTn>
-                        </p:par>
-                      </p:childTnLst>
-                    </p:cTn>
-                  </p:par>
-                  <p:par>
-                    <p:cTn id="7" fill="hold">
-                      <p:stCondLst>
-                        <p:cond delay="indefinite"/>
-                      </p:stCondLst>
-                      <p:childTnLst>
-                        <p:par>
-                          <p:cTn id="8" fill="hold">
-                            <p:stCondLst>
-                              <p:cond delay="0"/>
-                            </p:stCondLst>
-                            <p:childTnLst>
-                              <p:par>
-                                <p:cTn id="9" presetID="1" presetClass="entr" presetSubtype="0" fill="hold" grpId="0" nodeType="clickEffect">
-                                  <p:stCondLst>
-                                    <p:cond delay="0"/>
-                                  </p:stCondLst>
-                                  <p:childTnLst>
-                                    <p:set>
-                                      <p:cBhvr>
-                                        <p:cTn id="10" dur="1" fill="hold">
-                                          <p:stCondLst>
-                                            <p:cond delay="0"/>
-                                          </p:stCondLst>
-                                        </p:cTn>
-                                        <p:tgtEl>
-                                          <p:spTgt spid="3">
-                                            <p:txEl>
-                                              <p:pRg st="1" end="1"/>
-                                            </p:txEl>
-                                          </p:spTgt>
-                                        </p:tgtEl>
-                                        <p:attrNameLst>
-                                          <p:attrName>style.visibility</p:attrName>
-                                        </p:attrNameLst>
-                                      </p:cBhvr>
-                                      <p:to>
-                                        <p:strVal val="visible"/>
-                                      </p:to>
-                                    </p:set>
-                                  </p:childTnLst>
-                                </p:cTn>
-                              </p:par>
-                            </p:childTnLst>
-                          </p:cTn>
-                        </p:par>
-                      </p:childTnLst>
-                    </p:cTn>
-                  </p:par>
-                  <p:par>
-                    <p:cTn id="11" fill="hold">
-                      <p:stCondLst>
-                        <p:cond delay="indefinite"/>
-                      </p:stCondLst>
-                      <p:childTnLst>
-                        <p:par>
-                          <p:cTn id="12" fill="hold">
-                            <p:stCondLst>
-                              <p:cond delay="0"/>
-                            </p:stCondLst>
-                            <p:childTnLst>
-                              <p:par>
-                                <p:cTn id="13" presetID="1" presetClass="entr" presetSubtype="0" fill="hold" grpId="0" nodeType="clickEffect">
-                                  <p:stCondLst>
-                                    <p:cond delay="0"/>
-                                  </p:stCondLst>
-                                  <p:childTnLst>
-                                    <p:set>
-                                      <p:cBhvr>
-                                        <p:cTn id="14" dur="1" fill="hold">
-                                          <p:stCondLst>
-                                            <p:cond delay="0"/>
-                                          </p:stCondLst>
-                                        </p:cTn>
-                                        <p:tgtEl>
-                                          <p:spTgt spid="3">
-                                            <p:txEl>
-                                              <p:pRg st="2" end="2"/>
-                                            </p:txEl>
-                                          </p:spTgt>
-                                        </p:tgtEl>
-                                        <p:attrNameLst>
-                                          <p:attrName>style.visibility</p:attrName>
-                                        </p:attrNameLst>
-                                      </p:cBhvr>
-                                      <p:to>
-                                        <p:strVal val="visible"/>
-                                      </p:to>
-                                    </p:set>
-                                  </p:childTnLst>
-                                </p:cTn>
-                              </p:par>
-                            </p:childTnLst>
-                          </p:cTn>
-                        </p:par>
-                      </p:childTnLst>
-                    </p:cTn>
-                  </p:par>
-                </p:childTnLst>
-              </p:cTn>
-              <p:prevCondLst>
-                <p:cond evt="onPrev" delay="0">
-                  <p:tgtEl>
-                    <p:sldTgt/>
-                  </p:tgtEl>
-                </p:cond>
-              </p:prevCondLst>
-              <p:nextCondLst>
-                <p:cond evt="onNext" delay="0">
-                  <p:tgtEl>
-                    <p:sldTgt/>
-                  </p:tgtEl>
-                </p:cond>
-              </p:nextCondLst>
-            </p:seq>
-          </p:childTnLst>
-        </p:cTn>
-      </p:par>
-    </p:tnLst>
-    <p:bldLst>
-      <p:bldP spid="3" grpId="0" build="p"/>
-    </p:bldLst>
-  </p:timing>
 </p:sld>
 </file>
 
